--- a/presentations/presentation.pptx
+++ b/presentations/presentation.pptx
@@ -108,6 +108,11 @@
       </a:defRPr>
     </a:lvl9pPr>
   </p:defaultTextStyle>
+  <p:extLst>
+    <p:ext uri="{EFAFB233-063F-42B5-8137-9DF3F51BA10A}">
+      <p15:sldGuideLst xmlns:p15="http://schemas.microsoft.com/office/powerpoint/2012/main"/>
+    </p:ext>
+  </p:extLst>
 </p:presentation>
 </file>
 
@@ -4237,13 +4242,13 @@
   <p:clrMapOvr>
     <a:masterClrMapping/>
   </p:clrMapOvr>
-  <mc:AlternateContent xmlns:mc="http://schemas.openxmlformats.org/markup-compatibility/2006">
-    <mc:Choice xmlns:p14="http://schemas.microsoft.com/office/powerpoint/2010/main" Requires="p14">
+  <mc:AlternateContent xmlns:mc="http://schemas.openxmlformats.org/markup-compatibility/2006" xmlns:p14="http://schemas.microsoft.com/office/powerpoint/2010/main">
+    <mc:Choice Requires="p14">
       <p:transition spd="slow" p14:dur="1600">
         <p:blinds dir="vert"/>
       </p:transition>
     </mc:Choice>
-    <mc:Fallback>
+    <mc:Fallback xmlns="">
       <p:transition spd="slow">
         <p:blinds dir="vert"/>
       </p:transition>
@@ -4437,13 +4442,13 @@
   <p:clrMapOvr>
     <a:masterClrMapping/>
   </p:clrMapOvr>
-  <mc:AlternateContent xmlns:mc="http://schemas.openxmlformats.org/markup-compatibility/2006">
-    <mc:Choice xmlns:p14="http://schemas.microsoft.com/office/powerpoint/2010/main" Requires="p14">
+  <mc:AlternateContent xmlns:mc="http://schemas.openxmlformats.org/markup-compatibility/2006" xmlns:p14="http://schemas.microsoft.com/office/powerpoint/2010/main">
+    <mc:Choice Requires="p14">
       <p:transition spd="slow" p14:dur="1600">
         <p:blinds dir="vert"/>
       </p:transition>
     </mc:Choice>
-    <mc:Fallback>
+    <mc:Fallback xmlns="">
       <p:transition spd="slow">
         <p:blinds dir="vert"/>
       </p:transition>
@@ -4663,13 +4668,13 @@
   <p:clrMapOvr>
     <a:masterClrMapping/>
   </p:clrMapOvr>
-  <mc:AlternateContent xmlns:mc="http://schemas.openxmlformats.org/markup-compatibility/2006">
-    <mc:Choice xmlns:p14="http://schemas.microsoft.com/office/powerpoint/2010/main" Requires="p14">
+  <mc:AlternateContent xmlns:mc="http://schemas.openxmlformats.org/markup-compatibility/2006" xmlns:p14="http://schemas.microsoft.com/office/powerpoint/2010/main">
+    <mc:Choice Requires="p14">
       <p:transition spd="slow" p14:dur="1600">
         <p:blinds dir="vert"/>
       </p:transition>
     </mc:Choice>
-    <mc:Fallback>
+    <mc:Fallback xmlns="">
       <p:transition spd="slow">
         <p:blinds dir="vert"/>
       </p:transition>
@@ -4803,7 +4808,7 @@
                 </a:solidFill>
                 <a:latin typeface="Consolas" panose="020B0609020204030204" pitchFamily="49" charset="0"/>
               </a:rPr>
-              <a:t>таблиц для различных страниц, начиная банально регистрацией, заканчивая прочтением документации, о которой мы немного поговорим. Так как написать абсолютно всю документации за раз довольно трудно была создана функция для админов, позволяющая создавать страницы с документацией с помощью </a:t>
+              <a:t>таблиц для различных страниц, начиная от регистрации, заканчивая прочтением документации, о которой мы немного поговорим. Так как написать абсолютно всю документации за раз довольно трудно была создана функция для админов, позволяющая создавать страницы с документацией с помощью </a:t>
             </a:r>
             <a:r>
               <a:rPr lang="en-US" dirty="0">
@@ -4869,13 +4874,13 @@
   <p:clrMapOvr>
     <a:masterClrMapping/>
   </p:clrMapOvr>
-  <mc:AlternateContent xmlns:mc="http://schemas.openxmlformats.org/markup-compatibility/2006">
-    <mc:Choice xmlns:p14="http://schemas.microsoft.com/office/powerpoint/2010/main" Requires="p14">
+  <mc:AlternateContent xmlns:mc="http://schemas.openxmlformats.org/markup-compatibility/2006" xmlns:p14="http://schemas.microsoft.com/office/powerpoint/2010/main">
+    <mc:Choice Requires="p14">
       <p:transition spd="slow" p14:dur="1600">
         <p:blinds dir="vert"/>
       </p:transition>
     </mc:Choice>
-    <mc:Fallback>
+    <mc:Fallback xmlns="">
       <p:transition spd="slow">
         <p:blinds dir="vert"/>
       </p:transition>
@@ -5037,13 +5042,13 @@
   <p:clrMapOvr>
     <a:masterClrMapping/>
   </p:clrMapOvr>
-  <mc:AlternateContent xmlns:mc="http://schemas.openxmlformats.org/markup-compatibility/2006">
-    <mc:Choice xmlns:p14="http://schemas.microsoft.com/office/powerpoint/2010/main" Requires="p14">
+  <mc:AlternateContent xmlns:mc="http://schemas.openxmlformats.org/markup-compatibility/2006" xmlns:p14="http://schemas.microsoft.com/office/powerpoint/2010/main">
+    <mc:Choice Requires="p14">
       <p:transition spd="slow" p14:dur="1600">
         <p:blinds dir="vert"/>
       </p:transition>
     </mc:Choice>
-    <mc:Fallback>
+    <mc:Fallback xmlns="">
       <p:transition spd="slow">
         <p:blinds dir="vert"/>
       </p:transition>
